--- a/monday/Introduction.pptx
+++ b/monday/Introduction.pptx
@@ -5,7 +5,7 @@
     <p:sldMasterId id="2147483700" r:id="rId1"/>
   </p:sldMasterIdLst>
   <p:notesMasterIdLst>
-    <p:notesMasterId r:id="rId11"/>
+    <p:notesMasterId r:id="rId10"/>
   </p:notesMasterIdLst>
   <p:sldIdLst>
     <p:sldId id="257" r:id="rId2"/>
@@ -16,7 +16,6 @@
     <p:sldId id="263" r:id="rId7"/>
     <p:sldId id="262" r:id="rId8"/>
     <p:sldId id="264" r:id="rId9"/>
-    <p:sldId id="265" r:id="rId10"/>
   </p:sldIdLst>
   <p:sldSz cx="12192000" cy="6858000"/>
   <p:notesSz cx="6858000" cy="9144000"/>
@@ -205,7 +204,7 @@
           <a:p>
             <a:fld id="{2BB4664A-E94C-1E48-87DE-6B2D861CC4E3}" type="datetimeFigureOut">
               <a:rPr lang="en-US" smtClean="0"/>
-              <a:t>12/17/17</a:t>
+              <a:t>12/18/17</a:t>
             </a:fld>
             <a:endParaRPr lang="en-US"/>
           </a:p>
@@ -601,7 +600,7 @@
           <a:p>
             <a:fld id="{E70F27B2-3269-4E45-84E0-3A554EA5F6EB}" type="datetimeFigureOut">
               <a:rPr lang="en-US" smtClean="0"/>
-              <a:t>12/17/17</a:t>
+              <a:t>12/18/17</a:t>
             </a:fld>
             <a:endParaRPr lang="en-US"/>
           </a:p>
@@ -769,7 +768,7 @@
           <a:p>
             <a:fld id="{E70F27B2-3269-4E45-84E0-3A554EA5F6EB}" type="datetimeFigureOut">
               <a:rPr lang="en-US" smtClean="0"/>
-              <a:t>12/17/17</a:t>
+              <a:t>12/18/17</a:t>
             </a:fld>
             <a:endParaRPr lang="en-US"/>
           </a:p>
@@ -947,7 +946,7 @@
           <a:p>
             <a:fld id="{E70F27B2-3269-4E45-84E0-3A554EA5F6EB}" type="datetimeFigureOut">
               <a:rPr lang="en-US" smtClean="0"/>
-              <a:t>12/17/17</a:t>
+              <a:t>12/18/17</a:t>
             </a:fld>
             <a:endParaRPr lang="en-US"/>
           </a:p>
@@ -1115,7 +1114,7 @@
           <a:p>
             <a:fld id="{E70F27B2-3269-4E45-84E0-3A554EA5F6EB}" type="datetimeFigureOut">
               <a:rPr lang="en-US" smtClean="0"/>
-              <a:t>12/17/17</a:t>
+              <a:t>12/18/17</a:t>
             </a:fld>
             <a:endParaRPr lang="en-US"/>
           </a:p>
@@ -1360,7 +1359,7 @@
           <a:p>
             <a:fld id="{E70F27B2-3269-4E45-84E0-3A554EA5F6EB}" type="datetimeFigureOut">
               <a:rPr lang="en-US" smtClean="0"/>
-              <a:t>12/17/17</a:t>
+              <a:t>12/18/17</a:t>
             </a:fld>
             <a:endParaRPr lang="en-US"/>
           </a:p>
@@ -1589,7 +1588,7 @@
           <a:p>
             <a:fld id="{E70F27B2-3269-4E45-84E0-3A554EA5F6EB}" type="datetimeFigureOut">
               <a:rPr lang="en-US" smtClean="0"/>
-              <a:t>12/17/17</a:t>
+              <a:t>12/18/17</a:t>
             </a:fld>
             <a:endParaRPr lang="en-US"/>
           </a:p>
@@ -1953,7 +1952,7 @@
           <a:p>
             <a:fld id="{E70F27B2-3269-4E45-84E0-3A554EA5F6EB}" type="datetimeFigureOut">
               <a:rPr lang="en-US" smtClean="0"/>
-              <a:t>12/17/17</a:t>
+              <a:t>12/18/17</a:t>
             </a:fld>
             <a:endParaRPr lang="en-US"/>
           </a:p>
@@ -2070,7 +2069,7 @@
           <a:p>
             <a:fld id="{E70F27B2-3269-4E45-84E0-3A554EA5F6EB}" type="datetimeFigureOut">
               <a:rPr lang="en-US" smtClean="0"/>
-              <a:t>12/17/17</a:t>
+              <a:t>12/18/17</a:t>
             </a:fld>
             <a:endParaRPr lang="en-US"/>
           </a:p>
@@ -2165,7 +2164,7 @@
           <a:p>
             <a:fld id="{E70F27B2-3269-4E45-84E0-3A554EA5F6EB}" type="datetimeFigureOut">
               <a:rPr lang="en-US" smtClean="0"/>
-              <a:t>12/17/17</a:t>
+              <a:t>12/18/17</a:t>
             </a:fld>
             <a:endParaRPr lang="en-US"/>
           </a:p>
@@ -2440,7 +2439,7 @@
           <a:p>
             <a:fld id="{E70F27B2-3269-4E45-84E0-3A554EA5F6EB}" type="datetimeFigureOut">
               <a:rPr lang="en-US" smtClean="0"/>
-              <a:t>12/17/17</a:t>
+              <a:t>12/18/17</a:t>
             </a:fld>
             <a:endParaRPr lang="en-US"/>
           </a:p>
@@ -2695,7 +2694,7 @@
           <a:p>
             <a:fld id="{E70F27B2-3269-4E45-84E0-3A554EA5F6EB}" type="datetimeFigureOut">
               <a:rPr lang="en-US" smtClean="0"/>
-              <a:t>12/17/17</a:t>
+              <a:t>12/18/17</a:t>
             </a:fld>
             <a:endParaRPr lang="en-US"/>
           </a:p>
@@ -2907,7 +2906,7 @@
           <a:p>
             <a:fld id="{E70F27B2-3269-4E45-84E0-3A554EA5F6EB}" type="datetimeFigureOut">
               <a:rPr lang="en-US" smtClean="0"/>
-              <a:t>12/17/17</a:t>
+              <a:t>12/18/17</a:t>
             </a:fld>
             <a:endParaRPr lang="en-US"/>
           </a:p>
@@ -6679,7 +6678,12 @@
             <p:ph idx="1"/>
           </p:nvPr>
         </p:nvSpPr>
-        <p:spPr/>
+        <p:spPr>
+          <a:xfrm>
+            <a:off x="838200" y="1825625"/>
+            <a:ext cx="5651090" cy="4351338"/>
+          </a:xfrm>
+        </p:spPr>
         <p:txBody>
           <a:bodyPr>
             <a:noAutofit/>
@@ -6691,7 +6695,7 @@
             </a:pPr>
             <a:r>
               <a:rPr lang="en-US" sz="1600" b="1" u="sng" dirty="0"/>
-              <a:t>Wednesday Tuesday 5th</a:t>
+              <a:t>Day 1</a:t>
             </a:r>
           </a:p>
           <a:p>
@@ -6699,7 +6703,7 @@
               <a:buNone/>
             </a:pPr>
             <a:r>
-              <a:rPr lang="en-US" sz="1600" b="1" dirty="0"/>
+              <a:rPr lang="en-US" sz="1600" dirty="0"/>
               <a:t>Introductions</a:t>
             </a:r>
           </a:p>
@@ -6708,8 +6712,8 @@
               <a:buNone/>
             </a:pPr>
             <a:r>
-              <a:rPr lang="en-US" sz="1600" b="1" dirty="0"/>
-              <a:t>Morning Hands on: Intro to Command Line (Joe)</a:t>
+              <a:rPr lang="en-US" sz="1600" dirty="0"/>
+              <a:t>Logging in Introductory material (command line)</a:t>
             </a:r>
           </a:p>
           <a:p>
@@ -6717,86 +6721,351 @@
               <a:buNone/>
             </a:pPr>
             <a:r>
-              <a:rPr lang="en-US" sz="1600" b="1" dirty="0"/>
-              <a:t>Morning Talk:  “What is Bioinformatics?” (Matt)</a:t>
-            </a:r>
+              <a:rPr lang="en-US" sz="1600" dirty="0"/>
+              <a:t>Technology talk (Eric Chow, UCSF)</a:t>
+            </a:r>
+          </a:p>
+          <a:p>
+            <a:pPr marL="0" indent="0">
+              <a:buNone/>
+            </a:pPr>
+            <a:r>
+              <a:rPr lang="en-US" sz="1600" dirty="0"/>
+              <a:t>Lunch and Technology talk by Takara</a:t>
+            </a:r>
+          </a:p>
+          <a:p>
+            <a:pPr marL="0" indent="0">
+              <a:buNone/>
+            </a:pPr>
+            <a:r>
+              <a:rPr lang="en-US" sz="1600" dirty="0"/>
+              <a:t>Continued Introductory material (command line)</a:t>
+            </a:r>
+          </a:p>
+          <a:p>
+            <a:pPr marL="0" indent="0">
+              <a:buNone/>
+            </a:pPr>
+            <a:r>
+              <a:rPr lang="en-US" sz="1600" dirty="0"/>
+              <a:t>Generating Expression Tables (10X data)</a:t>
+            </a:r>
+          </a:p>
+          <a:p>
+            <a:pPr marL="0" indent="0">
+              <a:buNone/>
+            </a:pPr>
+            <a:r>
+              <a:rPr lang="en-US" sz="1600" b="1" u="sng" dirty="0"/>
+              <a:t>Day 2</a:t>
+            </a:r>
+          </a:p>
+          <a:p>
+            <a:pPr marL="0" indent="0">
+              <a:buNone/>
+            </a:pPr>
+            <a:r>
+              <a:rPr lang="en-US" sz="1600" dirty="0"/>
+              <a:t>Introduction to R</a:t>
+            </a:r>
+          </a:p>
+          <a:p>
+            <a:pPr marL="0" indent="0">
+              <a:buNone/>
+            </a:pPr>
+            <a:r>
+              <a:rPr lang="en-US" sz="1600" dirty="0"/>
+              <a:t>Dataset Description (Carrie </a:t>
+            </a:r>
+            <a:r>
+              <a:rPr lang="en-US" sz="1600" dirty="0" err="1"/>
+              <a:t>Finno</a:t>
+            </a:r>
+            <a:r>
+              <a:rPr lang="en-US" sz="1600" dirty="0"/>
+              <a:t>, UCD)</a:t>
+            </a:r>
+          </a:p>
+          <a:p>
+            <a:pPr marL="0" indent="0">
+              <a:buNone/>
+            </a:pPr>
+            <a:r>
+              <a:rPr lang="en-US" sz="1600" dirty="0"/>
+              <a:t>Lunch and Technology talk by Illumina</a:t>
+            </a:r>
+          </a:p>
+          <a:p>
+            <a:pPr marL="0" indent="0">
+              <a:buNone/>
+            </a:pPr>
+            <a:r>
+              <a:rPr lang="en-US" sz="1600" dirty="0"/>
+              <a:t>Analysis with Seurat</a:t>
+            </a:r>
+          </a:p>
+          <a:p>
+            <a:pPr marL="0" indent="0">
+              <a:buNone/>
+            </a:pPr>
+            <a:r>
+              <a:rPr lang="en-US" sz="1600" dirty="0"/>
+              <a:t> </a:t>
+            </a:r>
+          </a:p>
+          <a:p>
+            <a:pPr marL="0" indent="0">
+              <a:buNone/>
+            </a:pPr>
             <a:endParaRPr lang="en-US" sz="1600" dirty="0"/>
           </a:p>
+        </p:txBody>
+      </p:sp>
+      <p:sp>
+        <p:nvSpPr>
+          <p:cNvPr id="4" name="Content Placeholder 2">
+            <a:extLst>
+              <a:ext uri="{FF2B5EF4-FFF2-40B4-BE49-F238E27FC236}">
+                <a16:creationId xmlns:a16="http://schemas.microsoft.com/office/drawing/2014/main" id="{7F9AAF88-F72E-E14F-936E-FE4A3DB5846F}"/>
+              </a:ext>
+            </a:extLst>
+          </p:cNvPr>
+          <p:cNvSpPr txBox="1">
+            <a:spLocks/>
+          </p:cNvSpPr>
+          <p:nvPr/>
+        </p:nvSpPr>
+        <p:spPr>
+          <a:xfrm>
+            <a:off x="6314768" y="1825625"/>
+            <a:ext cx="5651090" cy="4351338"/>
+          </a:xfrm>
+          <a:prstGeom prst="rect">
+            <a:avLst/>
+          </a:prstGeom>
+        </p:spPr>
+        <p:txBody>
+          <a:bodyPr vert="horz" lIns="91440" tIns="45720" rIns="91440" bIns="45720" rtlCol="0">
+            <a:noAutofit/>
+          </a:bodyPr>
+          <a:lstStyle>
+            <a:lvl1pPr marL="228600" indent="-228600" algn="l" defTabSz="914400" rtl="0" eaLnBrk="1" latinLnBrk="0" hangingPunct="1">
+              <a:lnSpc>
+                <a:spcPct val="90000"/>
+              </a:lnSpc>
+              <a:spcBef>
+                <a:spcPts val="1000"/>
+              </a:spcBef>
+              <a:buFont typeface="Arial"/>
+              <a:buChar char="•"/>
+              <a:defRPr sz="2800" kern="1200">
+                <a:solidFill>
+                  <a:schemeClr val="tx1"/>
+                </a:solidFill>
+                <a:latin typeface="+mn-lt"/>
+                <a:ea typeface="+mn-ea"/>
+                <a:cs typeface="+mn-cs"/>
+              </a:defRPr>
+            </a:lvl1pPr>
+            <a:lvl2pPr marL="685800" indent="-228600" algn="l" defTabSz="914400" rtl="0" eaLnBrk="1" latinLnBrk="0" hangingPunct="1">
+              <a:lnSpc>
+                <a:spcPct val="90000"/>
+              </a:lnSpc>
+              <a:spcBef>
+                <a:spcPts val="500"/>
+              </a:spcBef>
+              <a:buFont typeface="Arial"/>
+              <a:buChar char="•"/>
+              <a:defRPr sz="2400" kern="1200">
+                <a:solidFill>
+                  <a:schemeClr val="tx1"/>
+                </a:solidFill>
+                <a:latin typeface="+mn-lt"/>
+                <a:ea typeface="+mn-ea"/>
+                <a:cs typeface="+mn-cs"/>
+              </a:defRPr>
+            </a:lvl2pPr>
+            <a:lvl3pPr marL="1143000" indent="-228600" algn="l" defTabSz="914400" rtl="0" eaLnBrk="1" latinLnBrk="0" hangingPunct="1">
+              <a:lnSpc>
+                <a:spcPct val="90000"/>
+              </a:lnSpc>
+              <a:spcBef>
+                <a:spcPts val="500"/>
+              </a:spcBef>
+              <a:buFont typeface="Arial"/>
+              <a:buChar char="•"/>
+              <a:defRPr sz="2000" kern="1200">
+                <a:solidFill>
+                  <a:schemeClr val="tx1"/>
+                </a:solidFill>
+                <a:latin typeface="+mn-lt"/>
+                <a:ea typeface="+mn-ea"/>
+                <a:cs typeface="+mn-cs"/>
+              </a:defRPr>
+            </a:lvl3pPr>
+            <a:lvl4pPr marL="1600200" indent="-228600" algn="l" defTabSz="914400" rtl="0" eaLnBrk="1" latinLnBrk="0" hangingPunct="1">
+              <a:lnSpc>
+                <a:spcPct val="90000"/>
+              </a:lnSpc>
+              <a:spcBef>
+                <a:spcPts val="500"/>
+              </a:spcBef>
+              <a:buFont typeface="Arial"/>
+              <a:buChar char="•"/>
+              <a:defRPr sz="1800" kern="1200">
+                <a:solidFill>
+                  <a:schemeClr val="tx1"/>
+                </a:solidFill>
+                <a:latin typeface="+mn-lt"/>
+                <a:ea typeface="+mn-ea"/>
+                <a:cs typeface="+mn-cs"/>
+              </a:defRPr>
+            </a:lvl4pPr>
+            <a:lvl5pPr marL="2057400" indent="-228600" algn="l" defTabSz="914400" rtl="0" eaLnBrk="1" latinLnBrk="0" hangingPunct="1">
+              <a:lnSpc>
+                <a:spcPct val="90000"/>
+              </a:lnSpc>
+              <a:spcBef>
+                <a:spcPts val="500"/>
+              </a:spcBef>
+              <a:buFont typeface="Arial"/>
+              <a:buChar char="•"/>
+              <a:defRPr sz="1800" kern="1200">
+                <a:solidFill>
+                  <a:schemeClr val="tx1"/>
+                </a:solidFill>
+                <a:latin typeface="+mn-lt"/>
+                <a:ea typeface="+mn-ea"/>
+                <a:cs typeface="+mn-cs"/>
+              </a:defRPr>
+            </a:lvl5pPr>
+            <a:lvl6pPr marL="2514600" indent="-228600" algn="l" defTabSz="914400" rtl="0" eaLnBrk="1" latinLnBrk="0" hangingPunct="1">
+              <a:lnSpc>
+                <a:spcPct val="90000"/>
+              </a:lnSpc>
+              <a:spcBef>
+                <a:spcPts val="500"/>
+              </a:spcBef>
+              <a:buFont typeface="Arial"/>
+              <a:buChar char="•"/>
+              <a:defRPr sz="1800" kern="1200">
+                <a:solidFill>
+                  <a:schemeClr val="tx1"/>
+                </a:solidFill>
+                <a:latin typeface="+mn-lt"/>
+                <a:ea typeface="+mn-ea"/>
+                <a:cs typeface="+mn-cs"/>
+              </a:defRPr>
+            </a:lvl6pPr>
+            <a:lvl7pPr marL="2971800" indent="-228600" algn="l" defTabSz="914400" rtl="0" eaLnBrk="1" latinLnBrk="0" hangingPunct="1">
+              <a:lnSpc>
+                <a:spcPct val="90000"/>
+              </a:lnSpc>
+              <a:spcBef>
+                <a:spcPts val="500"/>
+              </a:spcBef>
+              <a:buFont typeface="Arial"/>
+              <a:buChar char="•"/>
+              <a:defRPr sz="1800" kern="1200">
+                <a:solidFill>
+                  <a:schemeClr val="tx1"/>
+                </a:solidFill>
+                <a:latin typeface="+mn-lt"/>
+                <a:ea typeface="+mn-ea"/>
+                <a:cs typeface="+mn-cs"/>
+              </a:defRPr>
+            </a:lvl7pPr>
+            <a:lvl8pPr marL="3429000" indent="-228600" algn="l" defTabSz="914400" rtl="0" eaLnBrk="1" latinLnBrk="0" hangingPunct="1">
+              <a:lnSpc>
+                <a:spcPct val="90000"/>
+              </a:lnSpc>
+              <a:spcBef>
+                <a:spcPts val="500"/>
+              </a:spcBef>
+              <a:buFont typeface="Arial"/>
+              <a:buChar char="•"/>
+              <a:defRPr sz="1800" kern="1200">
+                <a:solidFill>
+                  <a:schemeClr val="tx1"/>
+                </a:solidFill>
+                <a:latin typeface="+mn-lt"/>
+                <a:ea typeface="+mn-ea"/>
+                <a:cs typeface="+mn-cs"/>
+              </a:defRPr>
+            </a:lvl8pPr>
+            <a:lvl9pPr marL="3886200" indent="-228600" algn="l" defTabSz="914400" rtl="0" eaLnBrk="1" latinLnBrk="0" hangingPunct="1">
+              <a:lnSpc>
+                <a:spcPct val="90000"/>
+              </a:lnSpc>
+              <a:spcBef>
+                <a:spcPts val="500"/>
+              </a:spcBef>
+              <a:buFont typeface="Arial"/>
+              <a:buChar char="•"/>
+              <a:defRPr sz="1800" kern="1200">
+                <a:solidFill>
+                  <a:schemeClr val="tx1"/>
+                </a:solidFill>
+                <a:latin typeface="+mn-lt"/>
+                <a:ea typeface="+mn-ea"/>
+                <a:cs typeface="+mn-cs"/>
+              </a:defRPr>
+            </a:lvl9pPr>
+          </a:lstStyle>
           <a:p>
             <a:pPr marL="0" indent="0">
+              <a:buFont typeface="Arial"/>
               <a:buNone/>
             </a:pPr>
             <a:r>
-              <a:rPr lang="en-US" sz="1600" b="1" dirty="0"/>
-              <a:t>Early Afternoon Hands on: Running Jobs on the Cluster (Joe)</a:t>
-            </a:r>
-            <a:endParaRPr lang="en-US" sz="1600" dirty="0"/>
+              <a:rPr lang="en-US" sz="1600" b="1" u="sng" dirty="0"/>
+              <a:t>Day 3</a:t>
+            </a:r>
           </a:p>
           <a:p>
             <a:pPr marL="0" indent="0">
+              <a:buFont typeface="Arial"/>
               <a:buNone/>
             </a:pPr>
             <a:r>
-              <a:rPr lang="en-US" sz="1600" b="1" dirty="0"/>
-              <a:t>Late Afternoon Hands On: Installing workshop software and setting the environment</a:t>
+              <a:rPr lang="en-US" sz="1600" dirty="0"/>
+              <a:t>Continued analysis with Seurat</a:t>
             </a:r>
           </a:p>
           <a:p>
             <a:pPr marL="0" indent="0">
+              <a:buFont typeface="Arial"/>
               <a:buNone/>
             </a:pPr>
             <a:r>
-              <a:rPr lang="en-US" sz="1600" b="1" dirty="0"/>
-              <a:t>Afternoon Talk: “Intro to Microbial Sequencing” (Matt)</a:t>
-            </a:r>
-            <a:br>
               <a:rPr lang="en-US" sz="1600" dirty="0"/>
-            </a:br>
-            <a:br>
+              <a:t>Lunch and Technology talk by 10X Genomics</a:t>
+            </a:r>
+          </a:p>
+          <a:p>
+            <a:pPr marL="0" indent="0">
+              <a:buFont typeface="Arial"/>
+              <a:buNone/>
+            </a:pPr>
+            <a:r>
               <a:rPr lang="en-US" sz="1600" dirty="0"/>
-            </a:br>
-            <a:endParaRPr lang="en-US" sz="1600" dirty="0"/>
+              <a:t>Analysis with 10X </a:t>
+            </a:r>
+            <a:r>
+              <a:rPr lang="en-US" sz="1600"/>
+              <a:t>Genomics software  </a:t>
+            </a:r>
+            <a:r>
+              <a:rPr lang="en-US" sz="1600" dirty="0"/>
+              <a:t>(by 10X Genomics) </a:t>
+            </a:r>
           </a:p>
           <a:p>
             <a:pPr marL="0" indent="0">
+              <a:buFont typeface="Arial"/>
               <a:buNone/>
             </a:pPr>
-            <a:r>
-              <a:rPr lang="en-US" sz="1600" b="1" u="sng" dirty="0"/>
-              <a:t>Thursday August 6th</a:t>
-            </a:r>
-            <a:endParaRPr lang="en-US" sz="1600" dirty="0"/>
-          </a:p>
-          <a:p>
-            <a:pPr marL="0" indent="0">
-              <a:buNone/>
-            </a:pPr>
-            <a:r>
-              <a:rPr lang="en-US" sz="1600" b="1" dirty="0" err="1"/>
-              <a:t>dbcAmplions</a:t>
-            </a:r>
-            <a:r>
-              <a:rPr lang="en-US" sz="1600" b="1" dirty="0"/>
-              <a:t>: Processing Sequence Reads Through abundance Tables</a:t>
-            </a:r>
-          </a:p>
-          <a:p>
-            <a:pPr marL="0" indent="0">
-              <a:buNone/>
-            </a:pPr>
-            <a:r>
-              <a:rPr lang="en-US" sz="1600" b="1" dirty="0"/>
-              <a:t>Afternoon Talk: “Host Microbe Systems Biology Core” (Matt)</a:t>
-            </a:r>
-            <a:endParaRPr lang="en-US" sz="1600" dirty="0"/>
-          </a:p>
-          <a:p>
-            <a:pPr marL="0" indent="0">
-              <a:buNone/>
-            </a:pPr>
-            <a:br>
-              <a:rPr lang="en-US" sz="1600" dirty="0"/>
-            </a:br>
             <a:endParaRPr lang="en-US" sz="1600" dirty="0"/>
           </a:p>
         </p:txBody>
@@ -6805,133 +7074,6 @@
     <p:extLst>
       <p:ext uri="{BB962C8B-B14F-4D97-AF65-F5344CB8AC3E}">
         <p14:creationId xmlns:p14="http://schemas.microsoft.com/office/powerpoint/2010/main" val="1068256002"/>
-      </p:ext>
-    </p:extLst>
-  </p:cSld>
-  <p:clrMapOvr>
-    <a:masterClrMapping/>
-  </p:clrMapOvr>
-</p:sld>
-</file>
-
-<file path=ppt/slides/slide9.xml><?xml version="1.0" encoding="utf-8"?>
-<p:sld xmlns:a="http://schemas.openxmlformats.org/drawingml/2006/main" xmlns:r="http://schemas.openxmlformats.org/officeDocument/2006/relationships" xmlns:p="http://schemas.openxmlformats.org/presentationml/2006/main">
-  <p:cSld>
-    <p:spTree>
-      <p:nvGrpSpPr>
-        <p:cNvPr id="1" name=""/>
-        <p:cNvGrpSpPr/>
-        <p:nvPr/>
-      </p:nvGrpSpPr>
-      <p:grpSpPr>
-        <a:xfrm>
-          <a:off x="0" y="0"/>
-          <a:ext cx="0" cy="0"/>
-          <a:chOff x="0" y="0"/>
-          <a:chExt cx="0" cy="0"/>
-        </a:xfrm>
-      </p:grpSpPr>
-      <p:sp>
-        <p:nvSpPr>
-          <p:cNvPr id="2" name="Title 1"/>
-          <p:cNvSpPr>
-            <a:spLocks noGrp="1"/>
-          </p:cNvSpPr>
-          <p:nvPr>
-            <p:ph type="title"/>
-          </p:nvPr>
-        </p:nvSpPr>
-        <p:spPr/>
-        <p:txBody>
-          <a:bodyPr/>
-          <a:lstStyle/>
-          <a:p>
-            <a:r>
-              <a:rPr lang="en-US" dirty="0"/>
-              <a:t>Schedule</a:t>
-            </a:r>
-          </a:p>
-        </p:txBody>
-      </p:sp>
-      <p:sp>
-        <p:nvSpPr>
-          <p:cNvPr id="3" name="Content Placeholder 2"/>
-          <p:cNvSpPr>
-            <a:spLocks noGrp="1"/>
-          </p:cNvSpPr>
-          <p:nvPr>
-            <p:ph idx="1"/>
-          </p:nvPr>
-        </p:nvSpPr>
-        <p:spPr/>
-        <p:txBody>
-          <a:bodyPr>
-            <a:noAutofit/>
-          </a:bodyPr>
-          <a:lstStyle/>
-          <a:p>
-            <a:pPr marL="0" indent="0">
-              <a:buNone/>
-            </a:pPr>
-            <a:r>
-              <a:rPr lang="en-US" sz="1600" b="1" u="sng" dirty="0"/>
-              <a:t>Friday September 8th</a:t>
-            </a:r>
-            <a:endParaRPr lang="en-US" sz="1600" dirty="0"/>
-          </a:p>
-          <a:p>
-            <a:pPr marL="0" indent="0">
-              <a:buNone/>
-            </a:pPr>
-            <a:r>
-              <a:rPr lang="en-US" sz="1600" b="1" dirty="0"/>
-              <a:t>Morning Hands on: Intro to R (Jessie)</a:t>
-            </a:r>
-            <a:endParaRPr lang="en-US" sz="1600" dirty="0"/>
-          </a:p>
-          <a:p>
-            <a:pPr marL="0" indent="0">
-              <a:buNone/>
-            </a:pPr>
-            <a:r>
-              <a:rPr lang="en-US" sz="1600" b="1" dirty="0"/>
-              <a:t>Morning Talk: “</a:t>
-            </a:r>
-            <a:r>
-              <a:rPr lang="en-US" sz="1600" b="1" dirty="0" err="1"/>
-              <a:t>Oligotyping</a:t>
-            </a:r>
-            <a:r>
-              <a:rPr lang="en-US" sz="1600" b="1" dirty="0"/>
-              <a:t>” (Peter Henry)</a:t>
-            </a:r>
-            <a:endParaRPr lang="en-US" sz="1600" dirty="0"/>
-          </a:p>
-          <a:p>
-            <a:pPr marL="0" indent="0">
-              <a:buNone/>
-            </a:pPr>
-            <a:r>
-              <a:rPr lang="en-US" sz="1600" b="1" dirty="0"/>
-              <a:t>Afternoon Hands on: Microbial Community Analysis with R (Matt)</a:t>
-            </a:r>
-            <a:endParaRPr lang="en-US" sz="1600" dirty="0"/>
-          </a:p>
-          <a:p>
-            <a:pPr marL="0" indent="0">
-              <a:buNone/>
-            </a:pPr>
-            <a:r>
-              <a:rPr lang="en-US" sz="1600" b="1" dirty="0"/>
-              <a:t>Closing</a:t>
-            </a:r>
-          </a:p>
-        </p:txBody>
-      </p:sp>
-    </p:spTree>
-    <p:extLst>
-      <p:ext uri="{BB962C8B-B14F-4D97-AF65-F5344CB8AC3E}">
-        <p14:creationId xmlns:p14="http://schemas.microsoft.com/office/powerpoint/2010/main" val="219363605"/>
       </p:ext>
     </p:extLst>
   </p:cSld>
